--- a/week14/potato.pptx
+++ b/week14/potato.pptx
@@ -10379,8 +10379,8 @@
         </p:blipFill>
         <p:spPr>
           <a:xfrm>
-            <a:off x="1191555" y="490193"/>
-            <a:ext cx="3586922" cy="4690164"/>
+            <a:off x="1673165" y="317484"/>
+            <a:ext cx="3851089" cy="5035581"/>
           </a:xfrm>
           <a:prstGeom prst="rect">
             <a:avLst/>
@@ -10445,7 +10445,18 @@
             </a:r>
           </a:p>
           <a:p>
-            <a:endParaRPr lang="zh-TW" altLang="en-US" dirty="0"/>
+            <a:r>
+              <a:rPr lang="zh-TW" altLang="en-US" dirty="0"/>
+              <a:t>共</a:t>
+            </a:r>
+            <a:r>
+              <a:rPr lang="en-US" altLang="zh-TW" dirty="0"/>
+              <a:t>88</a:t>
+            </a:r>
+            <a:r>
+              <a:rPr lang="zh-TW" altLang="en-US" dirty="0"/>
+              <a:t>筆資料</a:t>
+            </a:r>
           </a:p>
         </p:txBody>
       </p:sp>
